--- a/CAOaas.pptx
+++ b/CAOaas.pptx
@@ -6,12 +6,13 @@
   </p:sldMasterIdLst>
   <p:sldIdLst>
     <p:sldId id="256" r:id="rId2"/>
-    <p:sldId id="257" r:id="rId3"/>
-    <p:sldId id="258" r:id="rId4"/>
-    <p:sldId id="259" r:id="rId5"/>
-    <p:sldId id="260" r:id="rId6"/>
-    <p:sldId id="261" r:id="rId7"/>
-    <p:sldId id="262" r:id="rId8"/>
+    <p:sldId id="264" r:id="rId3"/>
+    <p:sldId id="257" r:id="rId4"/>
+    <p:sldId id="258" r:id="rId5"/>
+    <p:sldId id="259" r:id="rId6"/>
+    <p:sldId id="260" r:id="rId7"/>
+    <p:sldId id="261" r:id="rId8"/>
+    <p:sldId id="262" r:id="rId9"/>
   </p:sldIdLst>
   <p:sldSz cx="12192000" cy="6858000"/>
   <p:notesSz cx="6858000" cy="9144000"/>
@@ -273,7 +274,7 @@
           <a:p>
             <a:fld id="{217FDA93-C4CF-4D28-A484-A3FA4300E1B3}" type="datetimeFigureOut">
               <a:rPr lang="en-US" smtClean="0"/>
-              <a:t>12/9/2021</a:t>
+              <a:t>12/10/2021</a:t>
             </a:fld>
             <a:endParaRPr lang="en-US"/>
           </a:p>
@@ -333,6 +334,54 @@
           </a:p>
         </p:txBody>
       </p:sp>
+      <p:pic>
+        <p:nvPicPr>
+          <p:cNvPr id="7" name="Picture 2" descr="See the source image">
+            <a:extLst>
+              <a:ext uri="{FF2B5EF4-FFF2-40B4-BE49-F238E27FC236}">
+                <a16:creationId xmlns:a16="http://schemas.microsoft.com/office/drawing/2014/main" id="{2C4C1A0A-337D-4DFF-A064-552F0BE20FE9}"/>
+              </a:ext>
+            </a:extLst>
+          </p:cNvPr>
+          <p:cNvPicPr>
+            <a:picLocks noChangeAspect="1" noChangeArrowheads="1"/>
+          </p:cNvPicPr>
+          <p:nvPr userDrawn="1"/>
+        </p:nvPicPr>
+        <p:blipFill>
+          <a:blip r:embed="rId2">
+            <a:alphaModFix amt="35000"/>
+            <a:extLst>
+              <a:ext uri="{28A0092B-C50C-407E-A947-70E740481C1C}">
+                <a14:useLocalDpi xmlns:a14="http://schemas.microsoft.com/office/drawing/2010/main" val="0"/>
+              </a:ext>
+            </a:extLst>
+          </a:blip>
+          <a:srcRect/>
+          <a:stretch>
+            <a:fillRect/>
+          </a:stretch>
+        </p:blipFill>
+        <p:spPr bwMode="auto">
+          <a:xfrm>
+            <a:off x="-1" y="1"/>
+            <a:ext cx="12192001" cy="6858000"/>
+          </a:xfrm>
+          <a:prstGeom prst="rect">
+            <a:avLst/>
+          </a:prstGeom>
+          <a:noFill/>
+          <a:extLst>
+            <a:ext uri="{909E8E84-426E-40DD-AFC4-6F175D3DCCD1}">
+              <a14:hiddenFill xmlns:a14="http://schemas.microsoft.com/office/drawing/2010/main">
+                <a:solidFill>
+                  <a:srgbClr val="FFFFFF"/>
+                </a:solidFill>
+              </a14:hiddenFill>
+            </a:ext>
+          </a:extLst>
+        </p:spPr>
+      </p:pic>
     </p:spTree>
     <p:extLst>
       <p:ext uri="{BB962C8B-B14F-4D97-AF65-F5344CB8AC3E}">
@@ -14057,6 +14106,118 @@
           <p:cNvPr id="2" name="Title 1">
             <a:extLst>
               <a:ext uri="{FF2B5EF4-FFF2-40B4-BE49-F238E27FC236}">
+                <a16:creationId xmlns:a16="http://schemas.microsoft.com/office/drawing/2014/main" id="{7F17AB7E-AE05-41B7-9BC2-A06AB3F90CC9}"/>
+              </a:ext>
+            </a:extLst>
+          </p:cNvPr>
+          <p:cNvSpPr>
+            <a:spLocks noGrp="1"/>
+          </p:cNvSpPr>
+          <p:nvPr>
+            <p:ph type="ctrTitle"/>
+          </p:nvPr>
+        </p:nvSpPr>
+        <p:spPr>
+          <a:xfrm>
+            <a:off x="1524000" y="1122363"/>
+            <a:ext cx="9144000" cy="1268499"/>
+          </a:xfrm>
+        </p:spPr>
+        <p:txBody>
+          <a:bodyPr/>
+          <a:lstStyle/>
+          <a:p>
+            <a:r>
+              <a:rPr lang="en-US" sz="6000" dirty="0"/>
+              <a:t>CAOaas</a:t>
+            </a:r>
+            <a:endParaRPr lang="en-US" dirty="0"/>
+          </a:p>
+        </p:txBody>
+      </p:sp>
+      <p:sp>
+        <p:nvSpPr>
+          <p:cNvPr id="3" name="Subtitle 2">
+            <a:extLst>
+              <a:ext uri="{FF2B5EF4-FFF2-40B4-BE49-F238E27FC236}">
+                <a16:creationId xmlns:a16="http://schemas.microsoft.com/office/drawing/2014/main" id="{70380589-4FCB-443B-BEE6-8457612B7E1D}"/>
+              </a:ext>
+            </a:extLst>
+          </p:cNvPr>
+          <p:cNvSpPr>
+            <a:spLocks noGrp="1"/>
+          </p:cNvSpPr>
+          <p:nvPr>
+            <p:ph type="subTitle" idx="1"/>
+          </p:nvPr>
+        </p:nvSpPr>
+        <p:spPr>
+          <a:xfrm>
+            <a:off x="1641446" y="4239601"/>
+            <a:ext cx="9144000" cy="1655762"/>
+          </a:xfrm>
+        </p:spPr>
+        <p:txBody>
+          <a:bodyPr/>
+          <a:lstStyle/>
+          <a:p>
+            <a:r>
+              <a:rPr lang="en-US" sz="2400" dirty="0"/>
+              <a:t>Creation and Annihilation Operators as a Service</a:t>
+            </a:r>
+          </a:p>
+          <a:p>
+            <a:r>
+              <a:rPr lang="en-US" sz="2400" dirty="0"/>
+              <a:t>Nano project during innovation week of PI21.37</a:t>
+            </a:r>
+          </a:p>
+          <a:p>
+            <a:r>
+              <a:rPr lang="en-US" sz="2400" dirty="0"/>
+              <a:t>Fredrik Wartenberg, Zenseact</a:t>
+            </a:r>
+          </a:p>
+          <a:p>
+            <a:endParaRPr lang="en-US" dirty="0"/>
+          </a:p>
+        </p:txBody>
+      </p:sp>
+    </p:spTree>
+    <p:extLst>
+      <p:ext uri="{BB962C8B-B14F-4D97-AF65-F5344CB8AC3E}">
+        <p14:creationId xmlns:p14="http://schemas.microsoft.com/office/powerpoint/2010/main" val="208083378"/>
+      </p:ext>
+    </p:extLst>
+  </p:cSld>
+  <p:clrMapOvr>
+    <a:masterClrMapping/>
+  </p:clrMapOvr>
+</p:sld>
+</file>
+
+<file path=ppt/slides/slide3.xml><?xml version="1.0" encoding="utf-8"?>
+<p:sld xmlns:a="http://schemas.openxmlformats.org/drawingml/2006/main" xmlns:r="http://schemas.openxmlformats.org/officeDocument/2006/relationships" xmlns:p="http://schemas.openxmlformats.org/presentationml/2006/main">
+  <p:cSld>
+    <p:spTree>
+      <p:nvGrpSpPr>
+        <p:cNvPr id="1" name=""/>
+        <p:cNvGrpSpPr/>
+        <p:nvPr/>
+      </p:nvGrpSpPr>
+      <p:grpSpPr>
+        <a:xfrm>
+          <a:off x="0" y="0"/>
+          <a:ext cx="0" cy="0"/>
+          <a:chOff x="0" y="0"/>
+          <a:chExt cx="0" cy="0"/>
+        </a:xfrm>
+      </p:grpSpPr>
+      <p:sp>
+        <p:nvSpPr>
+          <p:cNvPr id="2" name="Title 1">
+            <a:extLst>
+              <a:ext uri="{FF2B5EF4-FFF2-40B4-BE49-F238E27FC236}">
                 <a16:creationId xmlns:a16="http://schemas.microsoft.com/office/drawing/2014/main" id="{A1F4E6EE-D391-40A4-B2B6-DF990B3EACFF}"/>
               </a:ext>
             </a:extLst>
@@ -14101,8 +14262,8 @@
         </p:nvSpPr>
         <p:spPr>
           <a:xfrm>
-            <a:off x="1085225" y="1401080"/>
-            <a:ext cx="9219759" cy="933061"/>
+            <a:off x="982652" y="1440738"/>
+            <a:ext cx="11045256" cy="933061"/>
           </a:xfrm>
           <a:prstGeom prst="rect">
             <a:avLst/>
@@ -14130,25 +14291,15 @@
           <a:lstStyle/>
           <a:p>
             <a:r>
-              <a:rPr lang="en-US" b="1" i="1" u="sng" dirty="0">
+              <a:rPr lang="en-US" sz="2400" b="1" dirty="0">
                 <a:solidFill>
                   <a:schemeClr val="tx1"/>
                 </a:solidFill>
               </a:rPr>
-              <a:t>Example Quantum Harmonic Oscillator</a:t>
-            </a:r>
-          </a:p>
-          <a:p>
-            <a:r>
-              <a:rPr lang="en-US" b="1" dirty="0">
-                <a:solidFill>
-                  <a:schemeClr val="tx1"/>
-                </a:solidFill>
-              </a:rPr>
-              <a:t>a</a:t>
-            </a:r>
-            <a:r>
-              <a:rPr lang="ka-GE" b="1" baseline="30000" dirty="0">
+              <a:t>creation operator a</a:t>
+            </a:r>
+            <a:r>
+              <a:rPr lang="ka-GE" sz="2400" b="1" baseline="30000" dirty="0">
                 <a:solidFill>
                   <a:schemeClr val="tx1"/>
                 </a:solidFill>
@@ -14156,22 +14307,38 @@
               <a:t>ⴕ</a:t>
             </a:r>
             <a:r>
-              <a:rPr lang="en-US" b="1" dirty="0">
+              <a:rPr lang="en-US" sz="2400" b="1" dirty="0">
                 <a:solidFill>
                   <a:schemeClr val="tx1"/>
                 </a:solidFill>
               </a:rPr>
-              <a:t> creation operator moves state one energy level up (or creates a particle)</a:t>
-            </a:r>
-          </a:p>
-          <a:p>
-            <a:r>
-              <a:rPr lang="en-US" b="1" dirty="0">
+              <a:t> </a:t>
+            </a:r>
+            <a:r>
+              <a:rPr lang="en-US" sz="2400" dirty="0">
                 <a:solidFill>
                   <a:schemeClr val="tx1"/>
                 </a:solidFill>
               </a:rPr>
-              <a:t>a   annihilation operator moves state one energy level down (or annihilates a particle)</a:t>
+              <a:t>moves state one energy level up (or creates a particle)</a:t>
+            </a:r>
+          </a:p>
+          <a:p>
+            <a:r>
+              <a:rPr lang="en-US" sz="2400" b="1" dirty="0">
+                <a:solidFill>
+                  <a:schemeClr val="tx1"/>
+                </a:solidFill>
+              </a:rPr>
+              <a:t>annihilation operator a </a:t>
+            </a:r>
+            <a:r>
+              <a:rPr lang="en-US" sz="2400" dirty="0">
+                <a:solidFill>
+                  <a:schemeClr val="tx1"/>
+                </a:solidFill>
+              </a:rPr>
+              <a:t>moves state one energy level down (or annihilates a particle)</a:t>
             </a:r>
           </a:p>
           <a:p>
@@ -14234,7 +14401,43 @@
                   <a:schemeClr val="tx1"/>
                 </a:solidFill>
               </a:rPr>
-              <a:t>Mathematically operators do so by operating on the wave functions |n&gt; for the energy states:</a:t>
+              <a:t>Mathematically operators do so by operating on the wave functions </a:t>
+            </a:r>
+            <a:r>
+              <a:rPr lang="en-US" dirty="0">
+                <a:solidFill>
+                  <a:schemeClr val="accent2">
+                    <a:lumMod val="75000"/>
+                  </a:schemeClr>
+                </a:solidFill>
+              </a:rPr>
+              <a:t>|n&gt;</a:t>
+            </a:r>
+            <a:r>
+              <a:rPr lang="en-US" dirty="0">
+                <a:solidFill>
+                  <a:schemeClr val="tx1"/>
+                </a:solidFill>
+              </a:rPr>
+              <a:t> for the </a:t>
+            </a:r>
+            <a:r>
+              <a:rPr lang="en-US" dirty="0">
+                <a:solidFill>
+                  <a:schemeClr val="accent2">
+                    <a:lumMod val="75000"/>
+                  </a:schemeClr>
+                </a:solidFill>
+              </a:rPr>
+              <a:t>energy states</a:t>
+            </a:r>
+            <a:r>
+              <a:rPr lang="en-US" dirty="0">
+                <a:solidFill>
+                  <a:schemeClr val="tx1"/>
+                </a:solidFill>
+              </a:rPr>
+              <a:t>:</a:t>
             </a:r>
           </a:p>
           <a:p>
@@ -14359,7 +14562,13 @@
           <a:lstStyle/>
           <a:p>
             <a:r>
-              <a:rPr lang="en-US" dirty="0"/>
+              <a:rPr lang="en-US" dirty="0">
+                <a:solidFill>
+                  <a:schemeClr val="accent2">
+                    <a:lumMod val="75000"/>
+                  </a:schemeClr>
+                </a:solidFill>
+              </a:rPr>
               <a:t>|0&gt;</a:t>
             </a:r>
           </a:p>
@@ -14394,7 +14603,13 @@
           <a:lstStyle/>
           <a:p>
             <a:r>
-              <a:rPr lang="en-US" dirty="0"/>
+              <a:rPr lang="en-US" dirty="0">
+                <a:solidFill>
+                  <a:schemeClr val="accent2">
+                    <a:lumMod val="75000"/>
+                  </a:schemeClr>
+                </a:solidFill>
+              </a:rPr>
               <a:t>|1&gt;</a:t>
             </a:r>
           </a:p>
@@ -14429,7 +14644,13 @@
           <a:lstStyle/>
           <a:p>
             <a:r>
-              <a:rPr lang="en-US" dirty="0"/>
+              <a:rPr lang="en-US" dirty="0">
+                <a:solidFill>
+                  <a:schemeClr val="accent2">
+                    <a:lumMod val="75000"/>
+                  </a:schemeClr>
+                </a:solidFill>
+              </a:rPr>
               <a:t>|2&gt;</a:t>
             </a:r>
           </a:p>
@@ -14464,7 +14685,13 @@
           <a:lstStyle/>
           <a:p>
             <a:r>
-              <a:rPr lang="en-US" dirty="0"/>
+              <a:rPr lang="en-US" dirty="0">
+                <a:solidFill>
+                  <a:schemeClr val="accent2">
+                    <a:lumMod val="75000"/>
+                  </a:schemeClr>
+                </a:solidFill>
+              </a:rPr>
               <a:t>|3&gt;</a:t>
             </a:r>
           </a:p>
@@ -14484,8 +14711,8 @@
         </p:nvSpPr>
         <p:spPr>
           <a:xfrm>
-            <a:off x="7190265" y="2796835"/>
-            <a:ext cx="752707" cy="369332"/>
+            <a:off x="6505280" y="2780290"/>
+            <a:ext cx="1445267" cy="369332"/>
           </a:xfrm>
           <a:prstGeom prst="rect">
             <a:avLst/>
@@ -14499,18 +14726,24 @@
           <a:lstStyle/>
           <a:p>
             <a:r>
-              <a:rPr lang="en-US" dirty="0"/>
-              <a:t>States</a:t>
+              <a:rPr lang="en-US" dirty="0">
+                <a:solidFill>
+                  <a:schemeClr val="accent2">
+                    <a:lumMod val="75000"/>
+                  </a:schemeClr>
+                </a:solidFill>
+              </a:rPr>
+              <a:t>Energy States</a:t>
             </a:r>
           </a:p>
         </p:txBody>
       </p:sp>
       <p:sp>
         <p:nvSpPr>
-          <p:cNvPr id="17" name="Arrow: Up 16">
+          <p:cNvPr id="19" name="Arrow: Up 18">
             <a:extLst>
               <a:ext uri="{FF2B5EF4-FFF2-40B4-BE49-F238E27FC236}">
-                <a16:creationId xmlns:a16="http://schemas.microsoft.com/office/drawing/2014/main" id="{CEF29B75-2813-4E8C-9933-334F14A04786}"/>
+                <a16:creationId xmlns:a16="http://schemas.microsoft.com/office/drawing/2014/main" id="{4EC78F77-0E0B-443E-A319-44A5DF7BC71D}"/>
               </a:ext>
             </a:extLst>
           </p:cNvPr>
@@ -14518,9 +14751,9 @@
           <p:nvPr/>
         </p:nvSpPr>
         <p:spPr>
-          <a:xfrm>
-            <a:off x="4932842" y="3218029"/>
-            <a:ext cx="484632" cy="1683709"/>
+          <a:xfrm rot="10800000">
+            <a:off x="5576643" y="3253850"/>
+            <a:ext cx="314937" cy="1683709"/>
           </a:xfrm>
           <a:prstGeom prst="upArrow">
             <a:avLst/>
@@ -14548,18 +14781,57 @@
           <a:p>
             <a:pPr algn="ctr"/>
             <a:r>
-              <a:rPr lang="en-US" dirty="0"/>
-              <a:t>creation</a:t>
+              <a:rPr lang="en-US" sz="1400" dirty="0"/>
+              <a:t>annihilation</a:t>
             </a:r>
           </a:p>
         </p:txBody>
       </p:sp>
       <p:sp>
         <p:nvSpPr>
-          <p:cNvPr id="19" name="Arrow: Up 18">
+          <p:cNvPr id="15" name="TextBox 14">
             <a:extLst>
               <a:ext uri="{FF2B5EF4-FFF2-40B4-BE49-F238E27FC236}">
-                <a16:creationId xmlns:a16="http://schemas.microsoft.com/office/drawing/2014/main" id="{4EC78F77-0E0B-443E-A319-44A5DF7BC71D}"/>
+                <a16:creationId xmlns:a16="http://schemas.microsoft.com/office/drawing/2014/main" id="{BEB0FCF0-E697-4673-80C0-AA158A941C60}"/>
+              </a:ext>
+            </a:extLst>
+          </p:cNvPr>
+          <p:cNvSpPr txBox="1"/>
+          <p:nvPr/>
+        </p:nvSpPr>
+        <p:spPr>
+          <a:xfrm>
+            <a:off x="925834" y="2541977"/>
+            <a:ext cx="6094602" cy="369332"/>
+          </a:xfrm>
+          <a:prstGeom prst="rect">
+            <a:avLst/>
+          </a:prstGeom>
+          <a:noFill/>
+        </p:spPr>
+        <p:txBody>
+          <a:bodyPr wrap="square">
+            <a:spAutoFit/>
+          </a:bodyPr>
+          <a:lstStyle/>
+          <a:p>
+            <a:r>
+              <a:rPr lang="en-US" b="1" i="1" u="sng" dirty="0">
+                <a:solidFill>
+                  <a:schemeClr val="tx1"/>
+                </a:solidFill>
+              </a:rPr>
+              <a:t>Example Quantum Harmonic Oscillator</a:t>
+            </a:r>
+          </a:p>
+        </p:txBody>
+      </p:sp>
+      <p:sp>
+        <p:nvSpPr>
+          <p:cNvPr id="18" name="Arrow: Up 17">
+            <a:extLst>
+              <a:ext uri="{FF2B5EF4-FFF2-40B4-BE49-F238E27FC236}">
+                <a16:creationId xmlns:a16="http://schemas.microsoft.com/office/drawing/2014/main" id="{AC5E4181-0935-49D3-AF3E-67B5596D32B4}"/>
               </a:ext>
             </a:extLst>
           </p:cNvPr>
@@ -14567,9 +14839,9 @@
           <p:nvPr/>
         </p:nvSpPr>
         <p:spPr>
-          <a:xfrm rot="10800000">
-            <a:off x="5452788" y="3293898"/>
-            <a:ext cx="484632" cy="1683709"/>
+          <a:xfrm>
+            <a:off x="6469006" y="3219576"/>
+            <a:ext cx="314937" cy="1683709"/>
           </a:xfrm>
           <a:prstGeom prst="upArrow">
             <a:avLst/>
@@ -14597,12 +14869,229 @@
           <a:p>
             <a:pPr algn="ctr"/>
             <a:r>
-              <a:rPr lang="en-US" dirty="0"/>
-              <a:t>annihilation</a:t>
+              <a:rPr lang="en-US" sz="1400" dirty="0"/>
+              <a:t>creation</a:t>
             </a:r>
           </a:p>
         </p:txBody>
       </p:sp>
+      <p:grpSp>
+        <p:nvGrpSpPr>
+          <p:cNvPr id="9" name="Group 8">
+            <a:extLst>
+              <a:ext uri="{FF2B5EF4-FFF2-40B4-BE49-F238E27FC236}">
+                <a16:creationId xmlns:a16="http://schemas.microsoft.com/office/drawing/2014/main" id="{7C9D8AAA-0DB1-421F-8FC3-E9445D0B8BA0}"/>
+              </a:ext>
+            </a:extLst>
+          </p:cNvPr>
+          <p:cNvGrpSpPr/>
+          <p:nvPr/>
+        </p:nvGrpSpPr>
+        <p:grpSpPr>
+          <a:xfrm>
+            <a:off x="8649643" y="2536465"/>
+            <a:ext cx="3258874" cy="2507601"/>
+            <a:chOff x="8632865" y="2416043"/>
+            <a:chExt cx="3258874" cy="2507601"/>
+          </a:xfrm>
+        </p:grpSpPr>
+        <p:pic>
+          <p:nvPicPr>
+            <p:cNvPr id="5" name="Picture 2">
+              <a:extLst>
+                <a:ext uri="{FF2B5EF4-FFF2-40B4-BE49-F238E27FC236}">
+                  <a16:creationId xmlns:a16="http://schemas.microsoft.com/office/drawing/2014/main" id="{636BA04A-1E73-417D-9245-BF9927D2FA5E}"/>
+                </a:ext>
+              </a:extLst>
+            </p:cNvPr>
+            <p:cNvPicPr>
+              <a:picLocks noChangeAspect="1" noChangeArrowheads="1"/>
+            </p:cNvPicPr>
+            <p:nvPr/>
+          </p:nvPicPr>
+          <p:blipFill>
+            <a:blip r:embed="rId4">
+              <a:extLst>
+                <a:ext uri="{28A0092B-C50C-407E-A947-70E740481C1C}">
+                  <a14:useLocalDpi xmlns:a14="http://schemas.microsoft.com/office/drawing/2010/main" val="0"/>
+                </a:ext>
+              </a:extLst>
+            </a:blip>
+            <a:srcRect/>
+            <a:stretch>
+              <a:fillRect/>
+            </a:stretch>
+          </p:blipFill>
+          <p:spPr bwMode="auto">
+            <a:xfrm>
+              <a:off x="8635631" y="2557929"/>
+              <a:ext cx="3256108" cy="2365715"/>
+            </a:xfrm>
+            <a:prstGeom prst="rect">
+              <a:avLst/>
+            </a:prstGeom>
+            <a:noFill/>
+            <a:extLst>
+              <a:ext uri="{909E8E84-426E-40DD-AFC4-6F175D3DCCD1}">
+                <a14:hiddenFill xmlns:a14="http://schemas.microsoft.com/office/drawing/2010/main">
+                  <a:solidFill>
+                    <a:srgbClr val="FFFFFF"/>
+                  </a:solidFill>
+                </a14:hiddenFill>
+              </a:ext>
+            </a:extLst>
+          </p:spPr>
+        </p:pic>
+        <p:sp>
+          <p:nvSpPr>
+            <p:cNvPr id="8" name="TextBox 7">
+              <a:extLst>
+                <a:ext uri="{FF2B5EF4-FFF2-40B4-BE49-F238E27FC236}">
+                  <a16:creationId xmlns:a16="http://schemas.microsoft.com/office/drawing/2014/main" id="{50CD611A-9157-4AA4-AD5A-37FA88D68FCC}"/>
+                </a:ext>
+              </a:extLst>
+            </p:cNvPr>
+            <p:cNvSpPr txBox="1"/>
+            <p:nvPr/>
+          </p:nvSpPr>
+          <p:spPr>
+            <a:xfrm>
+              <a:off x="11185707" y="3397541"/>
+              <a:ext cx="617603" cy="246221"/>
+            </a:xfrm>
+            <a:prstGeom prst="rect">
+              <a:avLst/>
+            </a:prstGeom>
+            <a:solidFill>
+              <a:schemeClr val="accent1"/>
+            </a:solidFill>
+            <a:ln>
+              <a:noFill/>
+            </a:ln>
+          </p:spPr>
+          <p:style>
+            <a:lnRef idx="0">
+              <a:scrgbClr r="0" g="0" b="0"/>
+            </a:lnRef>
+            <a:fillRef idx="0">
+              <a:scrgbClr r="0" g="0" b="0"/>
+            </a:fillRef>
+            <a:effectRef idx="0">
+              <a:scrgbClr r="0" g="0" b="0"/>
+            </a:effectRef>
+            <a:fontRef idx="minor">
+              <a:schemeClr val="lt1"/>
+            </a:fontRef>
+          </p:style>
+          <p:txBody>
+            <a:bodyPr wrap="square" rtlCol="0">
+              <a:spAutoFit/>
+            </a:bodyPr>
+            <a:lstStyle/>
+            <a:p>
+              <a:r>
+                <a:rPr lang="en-US" sz="1000" dirty="0"/>
+                <a:t>creation</a:t>
+              </a:r>
+            </a:p>
+          </p:txBody>
+        </p:sp>
+        <p:sp>
+          <p:nvSpPr>
+            <p:cNvPr id="22" name="TextBox 21">
+              <a:extLst>
+                <a:ext uri="{FF2B5EF4-FFF2-40B4-BE49-F238E27FC236}">
+                  <a16:creationId xmlns:a16="http://schemas.microsoft.com/office/drawing/2014/main" id="{6288083C-4C94-4400-8BF8-1B4515F594FB}"/>
+                </a:ext>
+              </a:extLst>
+            </p:cNvPr>
+            <p:cNvSpPr txBox="1"/>
+            <p:nvPr/>
+          </p:nvSpPr>
+          <p:spPr>
+            <a:xfrm>
+              <a:off x="8775945" y="3412930"/>
+              <a:ext cx="680865" cy="215444"/>
+            </a:xfrm>
+            <a:prstGeom prst="rect">
+              <a:avLst/>
+            </a:prstGeom>
+            <a:solidFill>
+              <a:schemeClr val="accent1"/>
+            </a:solidFill>
+            <a:ln>
+              <a:noFill/>
+            </a:ln>
+          </p:spPr>
+          <p:style>
+            <a:lnRef idx="0">
+              <a:scrgbClr r="0" g="0" b="0"/>
+            </a:lnRef>
+            <a:fillRef idx="0">
+              <a:scrgbClr r="0" g="0" b="0"/>
+            </a:fillRef>
+            <a:effectRef idx="0">
+              <a:scrgbClr r="0" g="0" b="0"/>
+            </a:effectRef>
+            <a:fontRef idx="minor">
+              <a:schemeClr val="lt1"/>
+            </a:fontRef>
+          </p:style>
+          <p:txBody>
+            <a:bodyPr wrap="square" rtlCol="0">
+              <a:spAutoFit/>
+            </a:bodyPr>
+            <a:lstStyle/>
+            <a:p>
+              <a:r>
+                <a:rPr lang="en-US" sz="800" dirty="0"/>
+                <a:t>annihilation</a:t>
+              </a:r>
+            </a:p>
+          </p:txBody>
+        </p:sp>
+        <p:sp>
+          <p:nvSpPr>
+            <p:cNvPr id="23" name="TextBox 22">
+              <a:extLst>
+                <a:ext uri="{FF2B5EF4-FFF2-40B4-BE49-F238E27FC236}">
+                  <a16:creationId xmlns:a16="http://schemas.microsoft.com/office/drawing/2014/main" id="{53794DA3-6383-4899-B96B-AA23C1882BB0}"/>
+                </a:ext>
+              </a:extLst>
+            </p:cNvPr>
+            <p:cNvSpPr txBox="1"/>
+            <p:nvPr/>
+          </p:nvSpPr>
+          <p:spPr>
+            <a:xfrm>
+              <a:off x="8632865" y="2416043"/>
+              <a:ext cx="3258874" cy="369332"/>
+            </a:xfrm>
+            <a:prstGeom prst="rect">
+              <a:avLst/>
+            </a:prstGeom>
+            <a:solidFill>
+              <a:schemeClr val="bg1"/>
+            </a:solidFill>
+          </p:spPr>
+          <p:txBody>
+            <a:bodyPr wrap="square">
+              <a:spAutoFit/>
+            </a:bodyPr>
+            <a:lstStyle/>
+            <a:p>
+              <a:r>
+                <a:rPr lang="en-US" b="1" i="1" u="sng" dirty="0">
+                  <a:solidFill>
+                    <a:schemeClr val="tx1"/>
+                  </a:solidFill>
+                </a:rPr>
+                <a:t>Example Quantum Field Theory</a:t>
+              </a:r>
+            </a:p>
+          </p:txBody>
+        </p:sp>
+      </p:grpSp>
     </p:spTree>
     <p:extLst>
       <p:ext uri="{BB962C8B-B14F-4D97-AF65-F5344CB8AC3E}">
@@ -14616,7 +15105,7 @@
 </p:sld>
 </file>
 
-<file path=ppt/slides/slide3.xml><?xml version="1.0" encoding="utf-8"?>
+<file path=ppt/slides/slide4.xml><?xml version="1.0" encoding="utf-8"?>
 <p:sld xmlns:a="http://schemas.openxmlformats.org/drawingml/2006/main" xmlns:r="http://schemas.openxmlformats.org/officeDocument/2006/relationships" xmlns:p="http://schemas.openxmlformats.org/presentationml/2006/main">
   <p:cSld>
     <p:spTree>
@@ -14655,7 +15144,7 @@
         </p:blipFill>
         <p:spPr>
           <a:xfrm>
-            <a:off x="965873" y="2009367"/>
+            <a:off x="1763966" y="2025508"/>
             <a:ext cx="2314352" cy="649435"/>
           </a:xfrm>
           <a:prstGeom prst="rect">
@@ -14691,8 +15180,33 @@
           <a:p>
             <a:r>
               <a:rPr lang="en-US" dirty="0"/>
-              <a:t>Operator algebra</a:t>
-            </a:r>
+              <a:t>Operator algebra: </a:t>
+            </a:r>
+            <a:r>
+              <a:rPr lang="en-US" dirty="0">
+                <a:solidFill>
+                  <a:schemeClr val="tx1"/>
+                </a:solidFill>
+              </a:rPr>
+              <a:t>[a, a</a:t>
+            </a:r>
+            <a:r>
+              <a:rPr lang="ka-GE" baseline="30000" dirty="0">
+                <a:solidFill>
+                  <a:schemeClr val="tx1"/>
+                </a:solidFill>
+              </a:rPr>
+              <a:t>ⴕ </a:t>
+            </a:r>
+            <a:r>
+              <a:rPr lang="en-US" dirty="0">
+                <a:solidFill>
+                  <a:schemeClr val="tx1"/>
+                </a:solidFill>
+              </a:rPr>
+              <a:t>] = 1 </a:t>
+            </a:r>
+            <a:endParaRPr lang="en-US" dirty="0"/>
           </a:p>
         </p:txBody>
       </p:sp>
@@ -14710,8 +15224,8 @@
         </p:nvSpPr>
         <p:spPr>
           <a:xfrm>
-            <a:off x="965873" y="1488681"/>
-            <a:ext cx="8204691" cy="933061"/>
+            <a:off x="965873" y="1478349"/>
+            <a:ext cx="8204691" cy="525829"/>
           </a:xfrm>
           <a:prstGeom prst="rect">
             <a:avLst/>
@@ -14747,10 +15261,8 @@
                   <a:schemeClr val="tx1"/>
                 </a:solidFill>
               </a:rPr>
-              <a:t>Basic equations</a:t>
-            </a:r>
-          </a:p>
-          <a:p>
+              <a:t>Basic equations of CAO algebra</a:t>
+            </a:r>
             <a:endParaRPr lang="en-US" baseline="30000" dirty="0">
               <a:solidFill>
                 <a:schemeClr val="tx1"/>
@@ -14773,7 +15285,7 @@
         </p:nvSpPr>
         <p:spPr>
           <a:xfrm>
-            <a:off x="965873" y="3545298"/>
+            <a:off x="965873" y="3750023"/>
             <a:ext cx="8405768" cy="2867671"/>
           </a:xfrm>
           <a:prstGeom prst="rect">
@@ -14982,7 +15494,7 @@
                   <a:schemeClr val="tx1"/>
                 </a:solidFill>
               </a:rPr>
-              <a:t> a) |n&gt; = n + 1 –n |n&gt; = 1 |n&gt;</a:t>
+              <a:t>a) |n&gt; = n + 1 – n |n&gt; = 1 * |n&gt;</a:t>
             </a:r>
           </a:p>
           <a:p>
@@ -15025,7 +15537,23 @@
                   <a:schemeClr val="tx1"/>
                 </a:solidFill>
               </a:rPr>
-              <a:t> - </a:t>
+              <a:t> </a:t>
+            </a:r>
+            <a:r>
+              <a:rPr lang="en-US" dirty="0">
+                <a:solidFill>
+                  <a:schemeClr val="tx1"/>
+                </a:solidFill>
+              </a:rPr>
+              <a:t>-</a:t>
+            </a:r>
+            <a:r>
+              <a:rPr lang="en-US" baseline="30000" dirty="0">
+                <a:solidFill>
+                  <a:schemeClr val="tx1"/>
+                </a:solidFill>
+              </a:rPr>
+              <a:t> </a:t>
             </a:r>
             <a:r>
               <a:rPr lang="en-US" dirty="0">
@@ -15143,6 +15671,669 @@
           </a:p>
           <a:p>
             <a:endParaRPr lang="en-US" dirty="0"/>
+          </a:p>
+        </p:txBody>
+      </p:sp>
+      <mc:AlternateContent xmlns:mc="http://schemas.openxmlformats.org/markup-compatibility/2006">
+        <mc:Choice xmlns:a14="http://schemas.microsoft.com/office/drawing/2010/main" Requires="a14">
+          <p:sp>
+            <p:nvSpPr>
+              <p:cNvPr id="4" name="Rectangle 3">
+                <a:extLst>
+                  <a:ext uri="{FF2B5EF4-FFF2-40B4-BE49-F238E27FC236}">
+                    <a16:creationId xmlns:a16="http://schemas.microsoft.com/office/drawing/2014/main" id="{975BC14C-9DA7-443C-A577-2644B9FA2740}"/>
+                  </a:ext>
+                </a:extLst>
+              </p:cNvPr>
+              <p:cNvSpPr/>
+              <p:nvPr/>
+            </p:nvSpPr>
+            <p:spPr>
+              <a:xfrm>
+                <a:off x="7147421" y="1573647"/>
+                <a:ext cx="4840447" cy="1526941"/>
+              </a:xfrm>
+              <a:prstGeom prst="rect">
+                <a:avLst/>
+              </a:prstGeom>
+            </p:spPr>
+            <p:style>
+              <a:lnRef idx="2">
+                <a:schemeClr val="accent1">
+                  <a:shade val="50000"/>
+                </a:schemeClr>
+              </a:lnRef>
+              <a:fillRef idx="1">
+                <a:schemeClr val="accent1"/>
+              </a:fillRef>
+              <a:effectRef idx="0">
+                <a:schemeClr val="accent1"/>
+              </a:effectRef>
+              <a:fontRef idx="minor">
+                <a:schemeClr val="lt1"/>
+              </a:fontRef>
+            </p:style>
+            <p:txBody>
+              <a:bodyPr rtlCol="0" anchor="ctr"/>
+              <a:lstStyle/>
+              <a:p>
+                <a:pPr algn="ctr"/>
+                <a:r>
+                  <a:rPr lang="en-US" b="1" dirty="0"/>
+                  <a:t>Quantum operators </a:t>
+                </a:r>
+                <a:r>
+                  <a:rPr lang="en-US" dirty="0"/>
+                  <a:t>are differential operators</a:t>
+                </a:r>
+              </a:p>
+              <a:p>
+                <a:pPr algn="ctr"/>
+                <a:r>
+                  <a:rPr lang="en-US" dirty="0"/>
+                  <a:t>applied to a function they yield a new function </a:t>
+                </a:r>
+              </a:p>
+              <a:p>
+                <a:pPr algn="ctr"/>
+                <a14:m>
+                  <m:oMathPara xmlns:m="http://schemas.openxmlformats.org/officeDocument/2006/math">
+                    <m:oMathParaPr>
+                      <m:jc m:val="centerGroup"/>
+                    </m:oMathParaPr>
+                    <m:oMath xmlns:m="http://schemas.openxmlformats.org/officeDocument/2006/math">
+                      <m:f>
+                        <m:fPr>
+                          <m:ctrlPr>
+                            <a:rPr lang="en-US" i="1" smtClean="0">
+                              <a:solidFill>
+                                <a:schemeClr val="accent4">
+                                  <a:lumMod val="40000"/>
+                                  <a:lumOff val="60000"/>
+                                </a:schemeClr>
+                              </a:solidFill>
+                              <a:latin typeface="Cambria Math" panose="02040503050406030204" pitchFamily="18" charset="0"/>
+                            </a:rPr>
+                          </m:ctrlPr>
+                        </m:fPr>
+                        <m:num>
+                          <m:r>
+                            <a:rPr lang="en-US" i="1" smtClean="0">
+                              <a:solidFill>
+                                <a:schemeClr val="accent4">
+                                  <a:lumMod val="40000"/>
+                                  <a:lumOff val="60000"/>
+                                </a:schemeClr>
+                              </a:solidFill>
+                              <a:latin typeface="Cambria Math" panose="02040503050406030204" pitchFamily="18" charset="0"/>
+                            </a:rPr>
+                            <m:t>𝜕</m:t>
+                          </m:r>
+                        </m:num>
+                        <m:den>
+                          <m:r>
+                            <a:rPr lang="en-US" i="1" smtClean="0">
+                              <a:solidFill>
+                                <a:schemeClr val="accent4">
+                                  <a:lumMod val="40000"/>
+                                  <a:lumOff val="60000"/>
+                                </a:schemeClr>
+                              </a:solidFill>
+                              <a:latin typeface="Cambria Math" panose="02040503050406030204" pitchFamily="18" charset="0"/>
+                            </a:rPr>
+                            <m:t>𝜕</m:t>
+                          </m:r>
+                          <m:r>
+                            <a:rPr lang="en-US" b="0" i="1" smtClean="0">
+                              <a:solidFill>
+                                <a:schemeClr val="accent4">
+                                  <a:lumMod val="40000"/>
+                                  <a:lumOff val="60000"/>
+                                </a:schemeClr>
+                              </a:solidFill>
+                              <a:latin typeface="Cambria Math" panose="02040503050406030204" pitchFamily="18" charset="0"/>
+                            </a:rPr>
+                            <m:t>𝑡</m:t>
+                          </m:r>
+                        </m:den>
+                      </m:f>
+                      <m:func>
+                        <m:funcPr>
+                          <m:ctrlPr>
+                            <a:rPr lang="en-US" i="1" smtClean="0">
+                              <a:solidFill>
+                                <a:srgbClr val="92D050"/>
+                              </a:solidFill>
+                              <a:latin typeface="Cambria Math" panose="02040503050406030204" pitchFamily="18" charset="0"/>
+                            </a:rPr>
+                          </m:ctrlPr>
+                        </m:funcPr>
+                        <m:fName>
+                          <m:r>
+                            <m:rPr>
+                              <m:sty m:val="p"/>
+                            </m:rPr>
+                            <a:rPr lang="en-US" i="0" smtClean="0">
+                              <a:solidFill>
+                                <a:srgbClr val="92D050"/>
+                              </a:solidFill>
+                              <a:latin typeface="Cambria Math" panose="02040503050406030204" pitchFamily="18" charset="0"/>
+                            </a:rPr>
+                            <m:t>sin</m:t>
+                          </m:r>
+                        </m:fName>
+                        <m:e>
+                          <m:r>
+                            <a:rPr lang="en-US" i="1" smtClean="0">
+                              <a:solidFill>
+                                <a:srgbClr val="92D050"/>
+                              </a:solidFill>
+                              <a:latin typeface="Cambria Math" panose="02040503050406030204" pitchFamily="18" charset="0"/>
+                              <a:ea typeface="Cambria Math" panose="02040503050406030204" pitchFamily="18" charset="0"/>
+                            </a:rPr>
+                            <m:t>𝜔</m:t>
+                          </m:r>
+                          <m:r>
+                            <a:rPr lang="en-US" b="0" i="1" smtClean="0">
+                              <a:solidFill>
+                                <a:srgbClr val="92D050"/>
+                              </a:solidFill>
+                              <a:latin typeface="Cambria Math" panose="02040503050406030204" pitchFamily="18" charset="0"/>
+                              <a:ea typeface="Cambria Math" panose="02040503050406030204" pitchFamily="18" charset="0"/>
+                            </a:rPr>
+                            <m:t>𝑡</m:t>
+                          </m:r>
+                        </m:e>
+                      </m:func>
+                      <m:r>
+                        <a:rPr lang="en-US" i="1" smtClean="0">
+                          <a:latin typeface="Cambria Math" panose="02040503050406030204" pitchFamily="18" charset="0"/>
+                        </a:rPr>
+                        <m:t>=</m:t>
+                      </m:r>
+                      <m:func>
+                        <m:funcPr>
+                          <m:ctrlPr>
+                            <a:rPr lang="en-US" i="1" smtClean="0">
+                              <a:solidFill>
+                                <a:schemeClr val="accent2">
+                                  <a:lumMod val="60000"/>
+                                  <a:lumOff val="40000"/>
+                                </a:schemeClr>
+                              </a:solidFill>
+                              <a:latin typeface="Cambria Math" panose="02040503050406030204" pitchFamily="18" charset="0"/>
+                            </a:rPr>
+                          </m:ctrlPr>
+                        </m:funcPr>
+                        <m:fName>
+                          <m:r>
+                            <m:rPr>
+                              <m:sty m:val="p"/>
+                            </m:rPr>
+                            <a:rPr lang="en-US">
+                              <a:solidFill>
+                                <a:schemeClr val="accent2">
+                                  <a:lumMod val="60000"/>
+                                  <a:lumOff val="40000"/>
+                                </a:schemeClr>
+                              </a:solidFill>
+                              <a:latin typeface="Cambria Math" panose="02040503050406030204" pitchFamily="18" charset="0"/>
+                              <a:ea typeface="Cambria Math" panose="02040503050406030204" pitchFamily="18" charset="0"/>
+                            </a:rPr>
+                            <m:t>ω</m:t>
+                          </m:r>
+                          <m:r>
+                            <a:rPr lang="en-US" b="0" i="0" smtClean="0">
+                              <a:solidFill>
+                                <a:schemeClr val="accent2">
+                                  <a:lumMod val="60000"/>
+                                  <a:lumOff val="40000"/>
+                                </a:schemeClr>
+                              </a:solidFill>
+                              <a:latin typeface="Cambria Math" panose="02040503050406030204" pitchFamily="18" charset="0"/>
+                            </a:rPr>
+                            <m:t> </m:t>
+                          </m:r>
+                          <m:r>
+                            <m:rPr>
+                              <m:sty m:val="p"/>
+                            </m:rPr>
+                            <a:rPr lang="en-US" i="0" smtClean="0">
+                              <a:solidFill>
+                                <a:schemeClr val="accent2">
+                                  <a:lumMod val="60000"/>
+                                  <a:lumOff val="40000"/>
+                                </a:schemeClr>
+                              </a:solidFill>
+                              <a:latin typeface="Cambria Math" panose="02040503050406030204" pitchFamily="18" charset="0"/>
+                            </a:rPr>
+                            <m:t>cos</m:t>
+                          </m:r>
+                        </m:fName>
+                        <m:e>
+                          <m:r>
+                            <a:rPr lang="en-US" i="1" smtClean="0">
+                              <a:solidFill>
+                                <a:schemeClr val="accent2">
+                                  <a:lumMod val="60000"/>
+                                  <a:lumOff val="40000"/>
+                                </a:schemeClr>
+                              </a:solidFill>
+                              <a:latin typeface="Cambria Math" panose="02040503050406030204" pitchFamily="18" charset="0"/>
+                              <a:ea typeface="Cambria Math" panose="02040503050406030204" pitchFamily="18" charset="0"/>
+                            </a:rPr>
+                            <m:t>𝜔</m:t>
+                          </m:r>
+                          <m:r>
+                            <a:rPr lang="en-US" b="0" i="1" smtClean="0">
+                              <a:solidFill>
+                                <a:schemeClr val="accent2">
+                                  <a:lumMod val="60000"/>
+                                  <a:lumOff val="40000"/>
+                                </a:schemeClr>
+                              </a:solidFill>
+                              <a:latin typeface="Cambria Math" panose="02040503050406030204" pitchFamily="18" charset="0"/>
+                              <a:ea typeface="Cambria Math" panose="02040503050406030204" pitchFamily="18" charset="0"/>
+                            </a:rPr>
+                            <m:t>𝑡</m:t>
+                          </m:r>
+                        </m:e>
+                      </m:func>
+                    </m:oMath>
+                  </m:oMathPara>
+                </a14:m>
+                <a:endParaRPr lang="en-US" dirty="0"/>
+              </a:p>
+            </p:txBody>
+          </p:sp>
+        </mc:Choice>
+        <mc:Fallback>
+          <p:sp>
+            <p:nvSpPr>
+              <p:cNvPr id="4" name="Rectangle 3">
+                <a:extLst>
+                  <a:ext uri="{FF2B5EF4-FFF2-40B4-BE49-F238E27FC236}">
+                    <a16:creationId xmlns:a16="http://schemas.microsoft.com/office/drawing/2014/main" id="{975BC14C-9DA7-443C-A577-2644B9FA2740}"/>
+                  </a:ext>
+                </a:extLst>
+              </p:cNvPr>
+              <p:cNvSpPr>
+                <a:spLocks noRot="1" noChangeAspect="1" noMove="1" noResize="1" noEditPoints="1" noAdjustHandles="1" noChangeArrowheads="1" noChangeShapeType="1" noTextEdit="1"/>
+              </p:cNvSpPr>
+              <p:nvPr/>
+            </p:nvSpPr>
+            <p:spPr>
+              <a:xfrm>
+                <a:off x="7147421" y="1573647"/>
+                <a:ext cx="4840447" cy="1526941"/>
+              </a:xfrm>
+              <a:prstGeom prst="rect">
+                <a:avLst/>
+              </a:prstGeom>
+              <a:blipFill>
+                <a:blip r:embed="rId3"/>
+                <a:stretch>
+                  <a:fillRect/>
+                </a:stretch>
+              </a:blipFill>
+            </p:spPr>
+            <p:txBody>
+              <a:bodyPr/>
+              <a:lstStyle/>
+              <a:p>
+                <a:r>
+                  <a:rPr lang="en-US">
+                    <a:noFill/>
+                  </a:rPr>
+                  <a:t> </a:t>
+                </a:r>
+              </a:p>
+            </p:txBody>
+          </p:sp>
+        </mc:Fallback>
+      </mc:AlternateContent>
+      <p:sp>
+        <p:nvSpPr>
+          <p:cNvPr id="5" name="Speech Bubble: Rectangle 4">
+            <a:extLst>
+              <a:ext uri="{FF2B5EF4-FFF2-40B4-BE49-F238E27FC236}">
+                <a16:creationId xmlns:a16="http://schemas.microsoft.com/office/drawing/2014/main" id="{AF793E1B-3495-40FF-B417-FB9EA7865A79}"/>
+              </a:ext>
+            </a:extLst>
+          </p:cNvPr>
+          <p:cNvSpPr/>
+          <p:nvPr/>
+        </p:nvSpPr>
+        <p:spPr>
+          <a:xfrm>
+            <a:off x="5901656" y="3250795"/>
+            <a:ext cx="2491531" cy="226647"/>
+          </a:xfrm>
+          <a:prstGeom prst="wedgeRectCallout">
+            <a:avLst>
+              <a:gd name="adj1" fmla="val 61891"/>
+              <a:gd name="adj2" fmla="val -170686"/>
+            </a:avLst>
+          </a:prstGeom>
+        </p:spPr>
+        <p:style>
+          <a:lnRef idx="2">
+            <a:schemeClr val="accent1">
+              <a:shade val="50000"/>
+            </a:schemeClr>
+          </a:lnRef>
+          <a:fillRef idx="1">
+            <a:schemeClr val="accent1"/>
+          </a:fillRef>
+          <a:effectRef idx="0">
+            <a:schemeClr val="accent1"/>
+          </a:effectRef>
+          <a:fontRef idx="minor">
+            <a:schemeClr val="lt1"/>
+          </a:fontRef>
+        </p:style>
+        <p:txBody>
+          <a:bodyPr rtlCol="0" anchor="ctr"/>
+          <a:lstStyle/>
+          <a:p>
+            <a:pPr algn="ctr"/>
+            <a:r>
+              <a:rPr lang="en-US" dirty="0">
+                <a:solidFill>
+                  <a:schemeClr val="accent4">
+                    <a:lumMod val="40000"/>
+                    <a:lumOff val="60000"/>
+                  </a:schemeClr>
+                </a:solidFill>
+              </a:rPr>
+              <a:t>differential operator</a:t>
+            </a:r>
+          </a:p>
+        </p:txBody>
+      </p:sp>
+      <p:sp>
+        <p:nvSpPr>
+          <p:cNvPr id="9" name="Speech Bubble: Rectangle 8">
+            <a:extLst>
+              <a:ext uri="{FF2B5EF4-FFF2-40B4-BE49-F238E27FC236}">
+                <a16:creationId xmlns:a16="http://schemas.microsoft.com/office/drawing/2014/main" id="{BD1B9D78-7DD3-449F-8A9F-95517135B0E3}"/>
+              </a:ext>
+            </a:extLst>
+          </p:cNvPr>
+          <p:cNvSpPr/>
+          <p:nvPr/>
+        </p:nvSpPr>
+        <p:spPr>
+          <a:xfrm>
+            <a:off x="8503642" y="3250795"/>
+            <a:ext cx="1256950" cy="226647"/>
+          </a:xfrm>
+          <a:prstGeom prst="wedgeRectCallout">
+            <a:avLst>
+              <a:gd name="adj1" fmla="val 1045"/>
+              <a:gd name="adj2" fmla="val -244712"/>
+            </a:avLst>
+          </a:prstGeom>
+        </p:spPr>
+        <p:style>
+          <a:lnRef idx="2">
+            <a:schemeClr val="accent1">
+              <a:shade val="50000"/>
+            </a:schemeClr>
+          </a:lnRef>
+          <a:fillRef idx="1">
+            <a:schemeClr val="accent1"/>
+          </a:fillRef>
+          <a:effectRef idx="0">
+            <a:schemeClr val="accent1"/>
+          </a:effectRef>
+          <a:fontRef idx="minor">
+            <a:schemeClr val="lt1"/>
+          </a:fontRef>
+        </p:style>
+        <p:txBody>
+          <a:bodyPr rtlCol="0" anchor="ctr"/>
+          <a:lstStyle/>
+          <a:p>
+            <a:pPr algn="ctr"/>
+            <a:r>
+              <a:rPr lang="en-US" dirty="0">
+                <a:solidFill>
+                  <a:srgbClr val="92D050"/>
+                </a:solidFill>
+              </a:rPr>
+              <a:t>function</a:t>
+            </a:r>
+          </a:p>
+        </p:txBody>
+      </p:sp>
+      <p:sp>
+        <p:nvSpPr>
+          <p:cNvPr id="10" name="Speech Bubble: Rectangle 9">
+            <a:extLst>
+              <a:ext uri="{FF2B5EF4-FFF2-40B4-BE49-F238E27FC236}">
+                <a16:creationId xmlns:a16="http://schemas.microsoft.com/office/drawing/2014/main" id="{38E9392F-2FB5-48F0-9869-B1991F765929}"/>
+              </a:ext>
+            </a:extLst>
+          </p:cNvPr>
+          <p:cNvSpPr/>
+          <p:nvPr/>
+        </p:nvSpPr>
+        <p:spPr>
+          <a:xfrm>
+            <a:off x="9964724" y="3250795"/>
+            <a:ext cx="1574334" cy="226647"/>
+          </a:xfrm>
+          <a:prstGeom prst="wedgeRectCallout">
+            <a:avLst>
+              <a:gd name="adj1" fmla="val -36255"/>
+              <a:gd name="adj2" fmla="val -237309"/>
+            </a:avLst>
+          </a:prstGeom>
+        </p:spPr>
+        <p:style>
+          <a:lnRef idx="2">
+            <a:schemeClr val="accent1">
+              <a:shade val="50000"/>
+            </a:schemeClr>
+          </a:lnRef>
+          <a:fillRef idx="1">
+            <a:schemeClr val="accent1"/>
+          </a:fillRef>
+          <a:effectRef idx="0">
+            <a:schemeClr val="accent1"/>
+          </a:effectRef>
+          <a:fontRef idx="minor">
+            <a:schemeClr val="lt1"/>
+          </a:fontRef>
+        </p:style>
+        <p:txBody>
+          <a:bodyPr rtlCol="0" anchor="ctr"/>
+          <a:lstStyle/>
+          <a:p>
+            <a:pPr algn="ctr"/>
+            <a:r>
+              <a:rPr lang="en-US" dirty="0">
+                <a:solidFill>
+                  <a:schemeClr val="accent2">
+                    <a:lumMod val="60000"/>
+                    <a:lumOff val="40000"/>
+                  </a:schemeClr>
+                </a:solidFill>
+              </a:rPr>
+              <a:t>new function</a:t>
+            </a:r>
+          </a:p>
+        </p:txBody>
+      </p:sp>
+      <p:sp>
+        <p:nvSpPr>
+          <p:cNvPr id="11" name="Speech Bubble: Rectangle 10">
+            <a:extLst>
+              <a:ext uri="{FF2B5EF4-FFF2-40B4-BE49-F238E27FC236}">
+                <a16:creationId xmlns:a16="http://schemas.microsoft.com/office/drawing/2014/main" id="{AC0D542C-5008-4135-8AAE-BCE6C7451631}"/>
+              </a:ext>
+            </a:extLst>
+          </p:cNvPr>
+          <p:cNvSpPr/>
+          <p:nvPr/>
+        </p:nvSpPr>
+        <p:spPr>
+          <a:xfrm>
+            <a:off x="1901245" y="3205283"/>
+            <a:ext cx="1317771" cy="226647"/>
+          </a:xfrm>
+          <a:prstGeom prst="wedgeRectCallout">
+            <a:avLst>
+              <a:gd name="adj1" fmla="val -24979"/>
+              <a:gd name="adj2" fmla="val -289128"/>
+            </a:avLst>
+          </a:prstGeom>
+        </p:spPr>
+        <p:style>
+          <a:lnRef idx="2">
+            <a:schemeClr val="accent1">
+              <a:shade val="50000"/>
+            </a:schemeClr>
+          </a:lnRef>
+          <a:fillRef idx="1">
+            <a:schemeClr val="accent1"/>
+          </a:fillRef>
+          <a:effectRef idx="0">
+            <a:schemeClr val="accent1"/>
+          </a:effectRef>
+          <a:fontRef idx="minor">
+            <a:schemeClr val="lt1"/>
+          </a:fontRef>
+        </p:style>
+        <p:txBody>
+          <a:bodyPr rtlCol="0" anchor="ctr"/>
+          <a:lstStyle/>
+          <a:p>
+            <a:pPr algn="ctr"/>
+            <a:r>
+              <a:rPr lang="en-US" sz="1600" dirty="0">
+                <a:solidFill>
+                  <a:srgbClr val="92D050"/>
+                </a:solidFill>
+              </a:rPr>
+              <a:t>function |n&gt;</a:t>
+            </a:r>
+          </a:p>
+        </p:txBody>
+      </p:sp>
+      <p:sp>
+        <p:nvSpPr>
+          <p:cNvPr id="12" name="Speech Bubble: Rectangle 11">
+            <a:extLst>
+              <a:ext uri="{FF2B5EF4-FFF2-40B4-BE49-F238E27FC236}">
+                <a16:creationId xmlns:a16="http://schemas.microsoft.com/office/drawing/2014/main" id="{0F00FE07-4229-47EF-AB59-97E7FACD497C}"/>
+              </a:ext>
+            </a:extLst>
+          </p:cNvPr>
+          <p:cNvSpPr/>
+          <p:nvPr/>
+        </p:nvSpPr>
+        <p:spPr>
+          <a:xfrm>
+            <a:off x="3321082" y="3205283"/>
+            <a:ext cx="1930167" cy="226647"/>
+          </a:xfrm>
+          <a:prstGeom prst="wedgeRectCallout">
+            <a:avLst>
+              <a:gd name="adj1" fmla="val -53307"/>
+              <a:gd name="adj2" fmla="val -259517"/>
+            </a:avLst>
+          </a:prstGeom>
+        </p:spPr>
+        <p:style>
+          <a:lnRef idx="2">
+            <a:schemeClr val="accent1">
+              <a:shade val="50000"/>
+            </a:schemeClr>
+          </a:lnRef>
+          <a:fillRef idx="1">
+            <a:schemeClr val="accent1"/>
+          </a:fillRef>
+          <a:effectRef idx="0">
+            <a:schemeClr val="accent1"/>
+          </a:effectRef>
+          <a:fontRef idx="minor">
+            <a:schemeClr val="lt1"/>
+          </a:fontRef>
+        </p:style>
+        <p:txBody>
+          <a:bodyPr rtlCol="0" anchor="ctr"/>
+          <a:lstStyle/>
+          <a:p>
+            <a:pPr algn="ctr"/>
+            <a:r>
+              <a:rPr lang="en-US" sz="1600" dirty="0">
+                <a:solidFill>
+                  <a:schemeClr val="accent2">
+                    <a:lumMod val="60000"/>
+                    <a:lumOff val="40000"/>
+                  </a:schemeClr>
+                </a:solidFill>
+              </a:rPr>
+              <a:t>new function |n+1&gt;</a:t>
+            </a:r>
+          </a:p>
+        </p:txBody>
+      </p:sp>
+      <p:sp>
+        <p:nvSpPr>
+          <p:cNvPr id="13" name="Speech Bubble: Rectangle 12">
+            <a:extLst>
+              <a:ext uri="{FF2B5EF4-FFF2-40B4-BE49-F238E27FC236}">
+                <a16:creationId xmlns:a16="http://schemas.microsoft.com/office/drawing/2014/main" id="{23C81F12-6571-4162-8D52-7EEE5B0C91A2}"/>
+              </a:ext>
+            </a:extLst>
+          </p:cNvPr>
+          <p:cNvSpPr/>
+          <p:nvPr/>
+        </p:nvSpPr>
+        <p:spPr>
+          <a:xfrm>
+            <a:off x="965873" y="2825242"/>
+            <a:ext cx="1098957" cy="226647"/>
+          </a:xfrm>
+          <a:prstGeom prst="wedgeRectCallout">
+            <a:avLst>
+              <a:gd name="adj1" fmla="val 41929"/>
+              <a:gd name="adj2" fmla="val -129971"/>
+            </a:avLst>
+          </a:prstGeom>
+        </p:spPr>
+        <p:style>
+          <a:lnRef idx="2">
+            <a:schemeClr val="accent1">
+              <a:shade val="50000"/>
+            </a:schemeClr>
+          </a:lnRef>
+          <a:fillRef idx="1">
+            <a:schemeClr val="accent1"/>
+          </a:fillRef>
+          <a:effectRef idx="0">
+            <a:schemeClr val="accent1"/>
+          </a:effectRef>
+          <a:fontRef idx="minor">
+            <a:schemeClr val="lt1"/>
+          </a:fontRef>
+        </p:style>
+        <p:txBody>
+          <a:bodyPr rtlCol="0" anchor="ctr"/>
+          <a:lstStyle/>
+          <a:p>
+            <a:pPr algn="ctr"/>
+            <a:r>
+              <a:rPr lang="en-US" sz="1600" dirty="0">
+                <a:solidFill>
+                  <a:srgbClr val="EDDA9D"/>
+                </a:solidFill>
+              </a:rPr>
+              <a:t>operator a</a:t>
+            </a:r>
           </a:p>
         </p:txBody>
       </p:sp>
@@ -15159,7 +16350,7 @@
 </p:sld>
 </file>
 
-<file path=ppt/slides/slide4.xml><?xml version="1.0" encoding="utf-8"?>
+<file path=ppt/slides/slide5.xml><?xml version="1.0" encoding="utf-8"?>
 <p:sld xmlns:a="http://schemas.openxmlformats.org/drawingml/2006/main" xmlns:r="http://schemas.openxmlformats.org/officeDocument/2006/relationships" xmlns:p="http://schemas.openxmlformats.org/presentationml/2006/main">
   <p:cSld>
     <p:spTree>
@@ -15281,7 +16472,7 @@
                   <a:schemeClr val="tx1"/>
                 </a:solidFill>
               </a:rPr>
-              <a:t>Normal order: a</a:t>
+              <a:t>Not Normal order: a</a:t>
             </a:r>
             <a:r>
               <a:rPr lang="ka-GE" baseline="30000" dirty="0">
@@ -15313,7 +16504,7 @@
                   <a:schemeClr val="tx1"/>
                 </a:solidFill>
               </a:rPr>
-              <a:t>a</a:t>
+              <a:t>aa a</a:t>
             </a:r>
             <a:r>
               <a:rPr lang="ka-GE" baseline="30000" dirty="0">
@@ -15323,26 +16514,19 @@
               </a:rPr>
               <a:t>ⴕ</a:t>
             </a:r>
-            <a:r>
-              <a:rPr lang="en-US" dirty="0">
+            <a:endParaRPr lang="en-US" b="1" dirty="0"/>
+          </a:p>
+          <a:p>
+            <a:r>
+              <a:rPr lang="en-US" b="1" dirty="0">
                 <a:solidFill>
                   <a:schemeClr val="tx1"/>
                 </a:solidFill>
               </a:rPr>
-              <a:t>aaa</a:t>
-            </a:r>
-          </a:p>
-          <a:p>
-            <a:r>
-              <a:rPr lang="en-US" dirty="0">
-                <a:solidFill>
-                  <a:schemeClr val="tx1"/>
-                </a:solidFill>
-              </a:rPr>
-              <a:t>Not Normal order: a</a:t>
-            </a:r>
-            <a:r>
-              <a:rPr lang="ka-GE" baseline="30000" dirty="0">
+              <a:t>Normal order: a</a:t>
+            </a:r>
+            <a:r>
+              <a:rPr lang="ka-GE" b="1" baseline="30000" dirty="0">
                 <a:solidFill>
                   <a:schemeClr val="tx1"/>
                 </a:solidFill>
@@ -15350,7 +16534,7 @@
               <a:t>ⴕ</a:t>
             </a:r>
             <a:r>
-              <a:rPr lang="en-US" dirty="0">
+              <a:rPr lang="en-US" b="1" dirty="0">
                 <a:solidFill>
                   <a:schemeClr val="tx1"/>
                 </a:solidFill>
@@ -15358,7 +16542,7 @@
               <a:t>a</a:t>
             </a:r>
             <a:r>
-              <a:rPr lang="ka-GE" baseline="30000" dirty="0">
+              <a:rPr lang="ka-GE" b="1" baseline="30000" dirty="0">
                 <a:solidFill>
                   <a:schemeClr val="tx1"/>
                 </a:solidFill>
@@ -15366,22 +16550,61 @@
               <a:t>ⴕ</a:t>
             </a:r>
             <a:r>
-              <a:rPr lang="en-US" dirty="0">
+              <a:rPr lang="en-US" b="1" dirty="0">
                 <a:solidFill>
                   <a:schemeClr val="tx1"/>
                 </a:solidFill>
               </a:rPr>
-              <a:t>aa a</a:t>
-            </a:r>
-            <a:r>
-              <a:rPr lang="ka-GE" baseline="30000" dirty="0">
+              <a:t>a</a:t>
+            </a:r>
+            <a:r>
+              <a:rPr lang="ka-GE" b="1" baseline="30000" dirty="0">
                 <a:solidFill>
                   <a:schemeClr val="tx1"/>
                 </a:solidFill>
               </a:rPr>
               <a:t>ⴕ</a:t>
             </a:r>
-            <a:endParaRPr lang="en-US" b="1" dirty="0"/>
+            <a:r>
+              <a:rPr lang="en-US" b="1" dirty="0">
+                <a:solidFill>
+                  <a:schemeClr val="tx1"/>
+                </a:solidFill>
+              </a:rPr>
+              <a:t>aaa = a</a:t>
+            </a:r>
+            <a:r>
+              <a:rPr lang="ka-GE" b="1" baseline="30000" dirty="0">
+                <a:solidFill>
+                  <a:schemeClr val="tx1"/>
+                </a:solidFill>
+              </a:rPr>
+              <a:t>ⴕ</a:t>
+            </a:r>
+            <a:r>
+              <a:rPr lang="en-US" b="1" baseline="30000" dirty="0">
+                <a:solidFill>
+                  <a:schemeClr val="tx1"/>
+                </a:solidFill>
+              </a:rPr>
+              <a:t>3</a:t>
+            </a:r>
+            <a:r>
+              <a:rPr lang="en-US" b="1" dirty="0">
+                <a:solidFill>
+                  <a:schemeClr val="tx1"/>
+                </a:solidFill>
+              </a:rPr>
+              <a:t>a</a:t>
+            </a:r>
+            <a:r>
+              <a:rPr lang="en-US" b="1" baseline="30000" dirty="0">
+                <a:solidFill>
+                  <a:schemeClr val="tx1"/>
+                </a:solidFill>
+              </a:rPr>
+              <a:t>3</a:t>
+            </a:r>
           </a:p>
           <a:p>
             <a:endParaRPr lang="en-US" b="1" dirty="0"/>
@@ -15511,7 +16734,7 @@
 </p:sld>
 </file>
 
-<file path=ppt/slides/slide5.xml><?xml version="1.0" encoding="utf-8"?>
+<file path=ppt/slides/slide6.xml><?xml version="1.0" encoding="utf-8"?>
 <p:sld xmlns:a="http://schemas.openxmlformats.org/drawingml/2006/main" xmlns:r="http://schemas.openxmlformats.org/officeDocument/2006/relationships" xmlns:p="http://schemas.openxmlformats.org/presentationml/2006/main">
   <p:cSld>
     <p:spTree>
@@ -15577,6 +16800,20 @@
           <a:bodyPr/>
           <a:lstStyle/>
           <a:p>
+            <a:pPr marL="0" indent="0">
+              <a:buNone/>
+            </a:pPr>
+            <a:r>
+              <a:rPr lang="en-US" sz="2800" dirty="0">
+                <a:solidFill>
+                  <a:schemeClr val="bg1"/>
+                </a:solidFill>
+              </a:rPr>
+              <a:t>Creation and Annihilation Operators as a Service:</a:t>
+            </a:r>
+            <a:endParaRPr lang="en-US" dirty="0"/>
+          </a:p>
+          <a:p>
             <a:r>
               <a:rPr lang="en-US" dirty="0"/>
               <a:t>REST API to transform CAO operator expression to normal order</a:t>
@@ -15585,10 +16822,21 @@
           <a:p>
             <a:r>
               <a:rPr lang="en-US" dirty="0"/>
-              <a:t>Simple, highly inefficient, implementation due to recursion:</a:t>
-            </a:r>
-          </a:p>
-          <a:p>
+              <a:t>Simple, highly inefficient implementation due to recursion.</a:t>
+            </a:r>
+          </a:p>
+          <a:p>
+            <a:r>
+              <a:rPr lang="en-US" dirty="0">
+                <a:hlinkClick r:id="rId2"/>
+              </a:rPr>
+              <a:t>Code</a:t>
+            </a:r>
+            <a:br>
+              <a:rPr lang="en-US" dirty="0">
+                <a:hlinkClick r:id="rId2"/>
+              </a:rPr>
+            </a:br>
             <a:r>
               <a:rPr lang="en-US" dirty="0">
                 <a:hlinkClick r:id="rId2"/>
@@ -15600,7 +16848,15 @@
           <a:p>
             <a:r>
               <a:rPr lang="en-US" dirty="0"/>
-              <a:t>Service is live under </a:t>
+              <a:t>Service </a:t>
+            </a:r>
+            <a:r>
+              <a:rPr lang="en-US" b="1" i="1" dirty="0"/>
+              <a:t>may</a:t>
+            </a:r>
+            <a:r>
+              <a:rPr lang="en-US" dirty="0"/>
+              <a:t> be live under </a:t>
             </a:r>
             <a:r>
               <a:rPr lang="en-US" dirty="0">
@@ -15640,7 +16896,7 @@
 </p:sld>
 </file>
 
-<file path=ppt/slides/slide6.xml><?xml version="1.0" encoding="utf-8"?>
+<file path=ppt/slides/slide7.xml><?xml version="1.0" encoding="utf-8"?>
 <p:sld xmlns:a="http://schemas.openxmlformats.org/drawingml/2006/main" xmlns:r="http://schemas.openxmlformats.org/officeDocument/2006/relationships" xmlns:p="http://schemas.openxmlformats.org/presentationml/2006/main">
   <p:cSld>
     <p:spTree>
@@ -15687,6 +16943,10 @@
               <a:rPr lang="en-US" dirty="0"/>
               <a:t>Usage</a:t>
             </a:r>
+            <a:br>
+              <a:rPr lang="en-US" dirty="0"/>
+            </a:br>
+            <a:endParaRPr lang="en-US" dirty="0"/>
           </a:p>
         </p:txBody>
       </p:sp>
@@ -15749,15 +17009,82 @@
           <a:lstStyle/>
           <a:p>
             <a:r>
-              <a:rPr lang="en-US" sz="1400" dirty="0">
-                <a:hlinkClick r:id="rId3"/>
-              </a:rPr>
-              <a:t>http://vagrinder.asuscomm.com:1930/__docs__/</a:t>
-            </a:r>
-            <a:r>
               <a:rPr lang="en-US" sz="1400" dirty="0"/>
-              <a:t> (my be down)</a:t>
-            </a:r>
+              <a:t>http://127.0.0.1:8000/__docs__/)</a:t>
+            </a:r>
+          </a:p>
+        </p:txBody>
+      </p:sp>
+      <p:sp>
+        <p:nvSpPr>
+          <p:cNvPr id="3" name="Rectangle 2">
+            <a:extLst>
+              <a:ext uri="{FF2B5EF4-FFF2-40B4-BE49-F238E27FC236}">
+                <a16:creationId xmlns:a16="http://schemas.microsoft.com/office/drawing/2014/main" id="{DFDF619E-31F8-42C8-8594-837F5C3072CE}"/>
+              </a:ext>
+            </a:extLst>
+          </p:cNvPr>
+          <p:cNvSpPr/>
+          <p:nvPr/>
+        </p:nvSpPr>
+        <p:spPr>
+          <a:xfrm>
+            <a:off x="100669" y="998290"/>
+            <a:ext cx="3598876" cy="1468073"/>
+          </a:xfrm>
+          <a:prstGeom prst="rect">
+            <a:avLst/>
+          </a:prstGeom>
+        </p:spPr>
+        <p:style>
+          <a:lnRef idx="2">
+            <a:schemeClr val="accent1">
+              <a:shade val="50000"/>
+            </a:schemeClr>
+          </a:lnRef>
+          <a:fillRef idx="1">
+            <a:schemeClr val="accent1"/>
+          </a:fillRef>
+          <a:effectRef idx="0">
+            <a:schemeClr val="accent1"/>
+          </a:effectRef>
+          <a:fontRef idx="minor">
+            <a:schemeClr val="lt1"/>
+          </a:fontRef>
+        </p:style>
+        <p:txBody>
+          <a:bodyPr rtlCol="0" anchor="ctr"/>
+          <a:lstStyle/>
+          <a:p>
+            <a:r>
+              <a:rPr lang="en-US" dirty="0"/>
+              <a:t>Prerequisites</a:t>
+            </a:r>
+          </a:p>
+          <a:p>
+            <a:pPr marL="285750" indent="-285750">
+              <a:buFont typeface="Arial" panose="020B0604020202020204" pitchFamily="34" charset="0"/>
+              <a:buChar char="•"/>
+            </a:pPr>
+            <a:r>
+              <a:rPr lang="en-US" dirty="0"/>
+              <a:t>CRAN R installed</a:t>
+            </a:r>
+          </a:p>
+          <a:p>
+            <a:pPr marL="285750" indent="-285750">
+              <a:buFont typeface="Arial" panose="020B0604020202020204" pitchFamily="34" charset="0"/>
+              <a:buChar char="•"/>
+            </a:pPr>
+            <a:r>
+              <a:rPr lang="en-US" dirty="0"/>
+              <a:t>R-packages plumber and </a:t>
+            </a:r>
+            <a:r>
+              <a:rPr lang="en-US" dirty="0" err="1"/>
+              <a:t>stringr</a:t>
+            </a:r>
+            <a:endParaRPr lang="en-US" dirty="0"/>
           </a:p>
         </p:txBody>
       </p:sp>
@@ -15774,7 +17101,7 @@
 </p:sld>
 </file>
 
-<file path=ppt/slides/slide7.xml><?xml version="1.0" encoding="utf-8"?>
+<file path=ppt/slides/slide8.xml><?xml version="1.0" encoding="utf-8"?>
 <p:sld xmlns:a="http://schemas.openxmlformats.org/drawingml/2006/main" xmlns:r="http://schemas.openxmlformats.org/officeDocument/2006/relationships" xmlns:p="http://schemas.openxmlformats.org/presentationml/2006/main">
   <p:cSld>
     <p:spTree>
@@ -15836,7 +17163,12 @@
             <p:ph idx="1"/>
           </p:nvPr>
         </p:nvSpPr>
-        <p:spPr/>
+        <p:spPr>
+          <a:xfrm>
+            <a:off x="838200" y="3067197"/>
+            <a:ext cx="10515600" cy="4351338"/>
+          </a:xfrm>
+        </p:spPr>
         <p:txBody>
           <a:bodyPr/>
           <a:lstStyle/>
@@ -15844,52 +17176,6 @@
             <a:pPr marL="0" indent="0">
               <a:buNone/>
             </a:pPr>
-            <a:r>
-              <a:rPr lang="en-US" dirty="0"/>
-              <a:t>d = </a:t>
-            </a:r>
-            <a:r>
-              <a:rPr lang="en-US" dirty="0">
-                <a:solidFill>
-                  <a:schemeClr val="tx1"/>
-                </a:solidFill>
-              </a:rPr>
-              <a:t>a</a:t>
-            </a:r>
-            <a:r>
-              <a:rPr lang="ka-GE" baseline="30000" dirty="0">
-                <a:solidFill>
-                  <a:schemeClr val="tx1"/>
-                </a:solidFill>
-              </a:rPr>
-              <a:t>ⴕ</a:t>
-            </a:r>
-            <a:r>
-              <a:rPr lang="en-US" dirty="0">
-                <a:solidFill>
-                  <a:schemeClr val="tx1"/>
-                </a:solidFill>
-              </a:rPr>
-              <a:t> (creation operator ‘a-dagger’)</a:t>
-            </a:r>
-            <a:endParaRPr lang="en-US" dirty="0"/>
-          </a:p>
-          <a:p>
-            <a:pPr marL="0" indent="0">
-              <a:buNone/>
-            </a:pPr>
-            <a:r>
-              <a:rPr lang="en-US" dirty="0"/>
-              <a:t>a: </a:t>
-            </a:r>
-            <a:r>
-              <a:rPr lang="en-US" dirty="0">
-                <a:solidFill>
-                  <a:schemeClr val="tx1"/>
-                </a:solidFill>
-              </a:rPr>
-              <a:t>annihilation operator</a:t>
-            </a:r>
             <a:endParaRPr lang="en-US" dirty="0"/>
           </a:p>
           <a:p>
@@ -16092,7 +17378,7 @@
         </p:nvSpPr>
         <p:spPr>
           <a:xfrm>
-            <a:off x="2046912" y="3122676"/>
+            <a:off x="2046912" y="3852519"/>
             <a:ext cx="1753299" cy="478424"/>
           </a:xfrm>
           <a:prstGeom prst="wedgeRectCallout">
@@ -16101,6 +17387,9 @@
               <a:gd name="adj2" fmla="val 50039"/>
             </a:avLst>
           </a:prstGeom>
+          <a:solidFill>
+            <a:srgbClr val="002060"/>
+          </a:solidFill>
         </p:spPr>
         <p:style>
           <a:lnRef idx="2">
@@ -16144,7 +17433,7 @@
         </p:nvSpPr>
         <p:spPr>
           <a:xfrm>
-            <a:off x="10555448" y="4020043"/>
+            <a:off x="10555448" y="4749886"/>
             <a:ext cx="1514912" cy="612648"/>
           </a:xfrm>
           <a:prstGeom prst="wedgeRectCallout">
@@ -16177,7 +17466,7 @@
             <a:pPr algn="ctr"/>
             <a:r>
               <a:rPr lang="en-US" dirty="0"/>
-              <a:t>CAOaas Output</a:t>
+              <a:t>API Output</a:t>
             </a:r>
           </a:p>
         </p:txBody>
@@ -16196,7 +17485,7 @@
         </p:nvSpPr>
         <p:spPr>
           <a:xfrm>
-            <a:off x="369116" y="4893524"/>
+            <a:off x="369116" y="5623367"/>
             <a:ext cx="2170302" cy="612648"/>
           </a:xfrm>
           <a:prstGeom prst="wedgeRectCallout">
@@ -16205,6 +17494,9 @@
               <a:gd name="adj2" fmla="val -9867"/>
             </a:avLst>
           </a:prstGeom>
+          <a:solidFill>
+            <a:srgbClr val="002060"/>
+          </a:solidFill>
         </p:spPr>
         <p:style>
           <a:lnRef idx="2">
@@ -16248,7 +17540,7 @@
         </p:nvSpPr>
         <p:spPr>
           <a:xfrm>
-            <a:off x="10357957" y="3389026"/>
+            <a:off x="10357957" y="4118869"/>
             <a:ext cx="1753299" cy="478424"/>
           </a:xfrm>
           <a:prstGeom prst="wedgeRectCallout">
@@ -16283,6 +17575,87 @@
               <a:rPr lang="en-US" dirty="0"/>
               <a:t>API input</a:t>
             </a:r>
+          </a:p>
+        </p:txBody>
+      </p:sp>
+      <p:sp>
+        <p:nvSpPr>
+          <p:cNvPr id="9" name="TextBox 8">
+            <a:extLst>
+              <a:ext uri="{FF2B5EF4-FFF2-40B4-BE49-F238E27FC236}">
+                <a16:creationId xmlns:a16="http://schemas.microsoft.com/office/drawing/2014/main" id="{5D4FDEEE-3CFA-424B-8AB6-5786F9BDB2F2}"/>
+              </a:ext>
+            </a:extLst>
+          </p:cNvPr>
+          <p:cNvSpPr txBox="1"/>
+          <p:nvPr/>
+        </p:nvSpPr>
+        <p:spPr>
+          <a:xfrm>
+            <a:off x="838200" y="1476746"/>
+            <a:ext cx="6094602" cy="954107"/>
+          </a:xfrm>
+          <a:prstGeom prst="rect">
+            <a:avLst/>
+          </a:prstGeom>
+          <a:noFill/>
+        </p:spPr>
+        <p:txBody>
+          <a:bodyPr wrap="square">
+            <a:spAutoFit/>
+          </a:bodyPr>
+          <a:lstStyle/>
+          <a:p>
+            <a:pPr marL="0" indent="0">
+              <a:buNone/>
+            </a:pPr>
+            <a:r>
+              <a:rPr lang="en-US" sz="2800" dirty="0"/>
+              <a:t>d = </a:t>
+            </a:r>
+            <a:r>
+              <a:rPr lang="en-US" sz="2800" dirty="0">
+                <a:solidFill>
+                  <a:schemeClr val="tx1"/>
+                </a:solidFill>
+              </a:rPr>
+              <a:t>a</a:t>
+            </a:r>
+            <a:r>
+              <a:rPr lang="ka-GE" sz="2800" baseline="30000" dirty="0">
+                <a:solidFill>
+                  <a:schemeClr val="tx1"/>
+                </a:solidFill>
+              </a:rPr>
+              <a:t>ⴕ</a:t>
+            </a:r>
+            <a:r>
+              <a:rPr lang="en-US" sz="2800" dirty="0">
+                <a:solidFill>
+                  <a:schemeClr val="tx1"/>
+                </a:solidFill>
+              </a:rPr>
+              <a:t> (creation operator ‘a-dagger’)</a:t>
+            </a:r>
+            <a:endParaRPr lang="en-US" sz="2800" dirty="0"/>
+          </a:p>
+          <a:p>
+            <a:pPr marL="0" indent="0">
+              <a:buNone/>
+            </a:pPr>
+            <a:r>
+              <a:rPr lang="en-US" sz="2800" dirty="0"/>
+              <a:t>a: </a:t>
+            </a:r>
+            <a:r>
+              <a:rPr lang="en-US" sz="2800" dirty="0">
+                <a:solidFill>
+                  <a:schemeClr val="tx1"/>
+                </a:solidFill>
+              </a:rPr>
+              <a:t>annihilation operator</a:t>
+            </a:r>
+            <a:endParaRPr lang="en-US" sz="2800" dirty="0"/>
           </a:p>
         </p:txBody>
       </p:sp>
